--- a/materi/Mobile Computing II-12.pptx
+++ b/materi/Mobile Computing II-12.pptx
@@ -208,7 +208,7 @@
             <a:fld id="{D4C55E52-1512-4397-87CC-2882E58DA483}" type="datetimeFigureOut">
               <a:rPr lang="en-US" smtClean="0"/>
               <a:pPr/>
-              <a:t>12/8/2015</a:t>
+              <a:t>12/15/2015</a:t>
             </a:fld>
             <a:endParaRPr lang="en-US"/>
           </a:p>
@@ -1968,7 +1968,7 @@
             <a:fld id="{1D8BD707-D9CF-40AE-B4C6-C98DA3205C09}" type="datetimeFigureOut">
               <a:rPr lang="en-US" smtClean="0"/>
               <a:pPr/>
-              <a:t>12/8/2015</a:t>
+              <a:t>12/15/2015</a:t>
             </a:fld>
             <a:endParaRPr lang="en-US"/>
           </a:p>
@@ -2135,7 +2135,7 @@
             <a:fld id="{1D8BD707-D9CF-40AE-B4C6-C98DA3205C09}" type="datetimeFigureOut">
               <a:rPr lang="en-US" smtClean="0"/>
               <a:pPr/>
-              <a:t>12/8/2015</a:t>
+              <a:t>12/15/2015</a:t>
             </a:fld>
             <a:endParaRPr lang="en-US"/>
           </a:p>
@@ -2312,7 +2312,7 @@
             <a:fld id="{1D8BD707-D9CF-40AE-B4C6-C98DA3205C09}" type="datetimeFigureOut">
               <a:rPr lang="en-US" smtClean="0"/>
               <a:pPr/>
-              <a:t>12/8/2015</a:t>
+              <a:t>12/15/2015</a:t>
             </a:fld>
             <a:endParaRPr lang="en-US"/>
           </a:p>
@@ -2479,7 +2479,7 @@
             <a:fld id="{1D8BD707-D9CF-40AE-B4C6-C98DA3205C09}" type="datetimeFigureOut">
               <a:rPr lang="en-US" smtClean="0"/>
               <a:pPr/>
-              <a:t>12/8/2015</a:t>
+              <a:t>12/15/2015</a:t>
             </a:fld>
             <a:endParaRPr lang="en-US"/>
           </a:p>
@@ -2722,7 +2722,7 @@
             <a:fld id="{1D8BD707-D9CF-40AE-B4C6-C98DA3205C09}" type="datetimeFigureOut">
               <a:rPr lang="en-US" smtClean="0"/>
               <a:pPr/>
-              <a:t>12/8/2015</a:t>
+              <a:t>12/15/2015</a:t>
             </a:fld>
             <a:endParaRPr lang="en-US"/>
           </a:p>
@@ -3007,7 +3007,7 @@
             <a:fld id="{1D8BD707-D9CF-40AE-B4C6-C98DA3205C09}" type="datetimeFigureOut">
               <a:rPr lang="en-US" smtClean="0"/>
               <a:pPr/>
-              <a:t>12/8/2015</a:t>
+              <a:t>12/15/2015</a:t>
             </a:fld>
             <a:endParaRPr lang="en-US"/>
           </a:p>
@@ -3426,7 +3426,7 @@
             <a:fld id="{1D8BD707-D9CF-40AE-B4C6-C98DA3205C09}" type="datetimeFigureOut">
               <a:rPr lang="en-US" smtClean="0"/>
               <a:pPr/>
-              <a:t>12/8/2015</a:t>
+              <a:t>12/15/2015</a:t>
             </a:fld>
             <a:endParaRPr lang="en-US"/>
           </a:p>
@@ -3541,7 +3541,7 @@
             <a:fld id="{1D8BD707-D9CF-40AE-B4C6-C98DA3205C09}" type="datetimeFigureOut">
               <a:rPr lang="en-US" smtClean="0"/>
               <a:pPr/>
-              <a:t>12/8/2015</a:t>
+              <a:t>12/15/2015</a:t>
             </a:fld>
             <a:endParaRPr lang="en-US"/>
           </a:p>
@@ -3633,7 +3633,7 @@
             <a:fld id="{1D8BD707-D9CF-40AE-B4C6-C98DA3205C09}" type="datetimeFigureOut">
               <a:rPr lang="en-US" smtClean="0"/>
               <a:pPr/>
-              <a:t>12/8/2015</a:t>
+              <a:t>12/15/2015</a:t>
             </a:fld>
             <a:endParaRPr lang="en-US"/>
           </a:p>
@@ -3907,7 +3907,7 @@
             <a:fld id="{1D8BD707-D9CF-40AE-B4C6-C98DA3205C09}" type="datetimeFigureOut">
               <a:rPr lang="en-US" smtClean="0"/>
               <a:pPr/>
-              <a:t>12/8/2015</a:t>
+              <a:t>12/15/2015</a:t>
             </a:fld>
             <a:endParaRPr lang="en-US"/>
           </a:p>
@@ -4157,7 +4157,7 @@
             <a:fld id="{1D8BD707-D9CF-40AE-B4C6-C98DA3205C09}" type="datetimeFigureOut">
               <a:rPr lang="en-US" smtClean="0"/>
               <a:pPr/>
-              <a:t>12/8/2015</a:t>
+              <a:t>12/15/2015</a:t>
             </a:fld>
             <a:endParaRPr lang="en-US"/>
           </a:p>
@@ -4367,7 +4367,7 @@
             <a:fld id="{1D8BD707-D9CF-40AE-B4C6-C98DA3205C09}" type="datetimeFigureOut">
               <a:rPr lang="en-US" smtClean="0"/>
               <a:pPr/>
-              <a:t>12/8/2015</a:t>
+              <a:t>12/15/2015</a:t>
             </a:fld>
             <a:endParaRPr lang="en-US"/>
           </a:p>
@@ -4908,7 +4908,23 @@
                   <a:srgbClr val="FFFF00"/>
                 </a:solidFill>
               </a:rPr>
-              <a:t> XI : </a:t>
+              <a:t> </a:t>
+            </a:r>
+            <a:r>
+              <a:rPr lang="en-US" sz="3200" b="1" dirty="0" smtClean="0">
+                <a:solidFill>
+                  <a:srgbClr val="FFFF00"/>
+                </a:solidFill>
+              </a:rPr>
+              <a:t>XII </a:t>
+            </a:r>
+            <a:r>
+              <a:rPr lang="en-US" sz="3200" b="1" dirty="0" smtClean="0">
+                <a:solidFill>
+                  <a:srgbClr val="FFFF00"/>
+                </a:solidFill>
+              </a:rPr>
+              <a:t>: </a:t>
             </a:r>
             <a:r>
               <a:rPr lang="en-US" sz="3200" b="1" dirty="0" err="1" smtClean="0">
@@ -14379,19 +14395,7 @@
             </a:r>
             <a:r>
               <a:rPr lang="en-US" sz="3000" b="1" dirty="0" smtClean="0"/>
-              <a:t> </a:t>
-            </a:r>
-            <a:r>
-              <a:rPr lang="en-US" sz="3000" b="1" dirty="0" smtClean="0"/>
-              <a:t>(</a:t>
-            </a:r>
-            <a:r>
-              <a:rPr lang="en-US" sz="3000" b="1" dirty="0" smtClean="0"/>
-              <a:t>8</a:t>
-            </a:r>
-            <a:r>
-              <a:rPr lang="en-US" sz="3000" b="1" dirty="0" smtClean="0"/>
-              <a:t>/12/2015) </a:t>
+              <a:t> (8/12/2015) </a:t>
             </a:r>
             <a:r>
               <a:rPr lang="en-US" sz="3000" b="1" dirty="0" err="1" smtClean="0"/>
@@ -14620,9 +14624,6 @@
               </a:rPr>
               <a:t>/Mobile-Computing-II/)</a:t>
             </a:r>
-            <a:endParaRPr lang="en-US" sz="2400" dirty="0" smtClean="0">
-              <a:cs typeface="Courier New" pitchFamily="49" charset="0"/>
-            </a:endParaRPr>
           </a:p>
           <a:p>
             <a:pPr>
@@ -14872,15 +14873,7 @@
             </a:r>
             <a:r>
               <a:rPr lang="en-US" sz="2400" b="1" dirty="0" smtClean="0"/>
-              <a:t> </a:t>
-            </a:r>
-            <a:r>
-              <a:rPr lang="en-US" sz="2400" b="1" dirty="0" smtClean="0"/>
-              <a:t>15</a:t>
-            </a:r>
-            <a:r>
-              <a:rPr lang="en-US" sz="2400" b="1" dirty="0" smtClean="0"/>
-              <a:t>/12/2015</a:t>
+              <a:t> 15/12/2015</a:t>
             </a:r>
             <a:endParaRPr lang="en-US" sz="2400" dirty="0" smtClean="0"/>
           </a:p>
